--- a/توقع أسعار العملة التركية مقابل الدولار.pptx
+++ b/توقع أسعار العملة التركية مقابل الدولار.pptx
@@ -115,6 +115,11 @@
       </a:defRPr>
     </a:lvl9pPr>
   </p:defaultTextStyle>
+  <p:extLst>
+    <p:ext uri="{EFAFB233-063F-42B5-8137-9DF3F51BA10A}">
+      <p15:sldGuideLst xmlns:p15="http://schemas.microsoft.com/office/powerpoint/2012/main"/>
+    </p:ext>
+  </p:extLst>
 </p:presentation>
 </file>
 
@@ -10369,28 +10374,7 @@
               <a:buNone/>
             </a:pPr>
             <a:r>
-              <a:rPr lang="en-US" dirty="0"/>
-              <a:t>ARIMA</a:t>
-            </a:r>
-            <a:r>
-              <a:rPr lang="ar-SA" dirty="0"/>
-              <a:t> </a:t>
-            </a:r>
-            <a:r>
-              <a:rPr lang="en-US" dirty="0"/>
-              <a:t> </a:t>
-            </a:r>
-            <a:r>
-              <a:rPr lang="ar-SA" dirty="0"/>
-              <a:t>نموذج لتحليل السلاسل الزمنية (لا يستخدم فعليًا في الكود).</a:t>
-            </a:r>
-          </a:p>
-          <a:p>
-            <a:pPr marL="0" indent="0" algn="just" rtl="1">
-              <a:buNone/>
-            </a:pPr>
-            <a:r>
-              <a:rPr lang="en-US" dirty="0" err="1">
+              <a:rPr lang="en-US">
                 <a:solidFill>
                   <a:schemeClr val="tx2">
                     <a:lumMod val="75000"/>

--- a/توقع أسعار العملة التركية مقابل الدولار.pptx
+++ b/توقع أسعار العملة التركية مقابل الدولار.pptx
@@ -276,7 +276,7 @@
           <a:p>
             <a:fld id="{E5CBBA52-592A-4363-B79A-FD068EADC420}" type="datetimeFigureOut">
               <a:rPr lang="en-US" smtClean="0"/>
-              <a:t>6/3/2024</a:t>
+              <a:t>6/4/2024</a:t>
             </a:fld>
             <a:endParaRPr lang="en-US"/>
           </a:p>
@@ -474,7 +474,7 @@
           <a:p>
             <a:fld id="{E5CBBA52-592A-4363-B79A-FD068EADC420}" type="datetimeFigureOut">
               <a:rPr lang="en-US" smtClean="0"/>
-              <a:t>6/3/2024</a:t>
+              <a:t>6/4/2024</a:t>
             </a:fld>
             <a:endParaRPr lang="en-US"/>
           </a:p>
@@ -682,7 +682,7 @@
           <a:p>
             <a:fld id="{E5CBBA52-592A-4363-B79A-FD068EADC420}" type="datetimeFigureOut">
               <a:rPr lang="en-US" smtClean="0"/>
-              <a:t>6/3/2024</a:t>
+              <a:t>6/4/2024</a:t>
             </a:fld>
             <a:endParaRPr lang="en-US"/>
           </a:p>
@@ -880,7 +880,7 @@
           <a:p>
             <a:fld id="{E5CBBA52-592A-4363-B79A-FD068EADC420}" type="datetimeFigureOut">
               <a:rPr lang="en-US" smtClean="0"/>
-              <a:t>6/3/2024</a:t>
+              <a:t>6/4/2024</a:t>
             </a:fld>
             <a:endParaRPr lang="en-US"/>
           </a:p>
@@ -1155,7 +1155,7 @@
           <a:p>
             <a:fld id="{E5CBBA52-592A-4363-B79A-FD068EADC420}" type="datetimeFigureOut">
               <a:rPr lang="en-US" smtClean="0"/>
-              <a:t>6/3/2024</a:t>
+              <a:t>6/4/2024</a:t>
             </a:fld>
             <a:endParaRPr lang="en-US"/>
           </a:p>
@@ -1420,7 +1420,7 @@
           <a:p>
             <a:fld id="{E5CBBA52-592A-4363-B79A-FD068EADC420}" type="datetimeFigureOut">
               <a:rPr lang="en-US" smtClean="0"/>
-              <a:t>6/3/2024</a:t>
+              <a:t>6/4/2024</a:t>
             </a:fld>
             <a:endParaRPr lang="en-US"/>
           </a:p>
@@ -1832,7 +1832,7 @@
           <a:p>
             <a:fld id="{E5CBBA52-592A-4363-B79A-FD068EADC420}" type="datetimeFigureOut">
               <a:rPr lang="en-US" smtClean="0"/>
-              <a:t>6/3/2024</a:t>
+              <a:t>6/4/2024</a:t>
             </a:fld>
             <a:endParaRPr lang="en-US"/>
           </a:p>
@@ -1973,7 +1973,7 @@
           <a:p>
             <a:fld id="{E5CBBA52-592A-4363-B79A-FD068EADC420}" type="datetimeFigureOut">
               <a:rPr lang="en-US" smtClean="0"/>
-              <a:t>6/3/2024</a:t>
+              <a:t>6/4/2024</a:t>
             </a:fld>
             <a:endParaRPr lang="en-US"/>
           </a:p>
@@ -2086,7 +2086,7 @@
           <a:p>
             <a:fld id="{E5CBBA52-592A-4363-B79A-FD068EADC420}" type="datetimeFigureOut">
               <a:rPr lang="en-US" smtClean="0"/>
-              <a:t>6/3/2024</a:t>
+              <a:t>6/4/2024</a:t>
             </a:fld>
             <a:endParaRPr lang="en-US"/>
           </a:p>
@@ -2397,7 +2397,7 @@
           <a:p>
             <a:fld id="{E5CBBA52-592A-4363-B79A-FD068EADC420}" type="datetimeFigureOut">
               <a:rPr lang="en-US" smtClean="0"/>
-              <a:t>6/3/2024</a:t>
+              <a:t>6/4/2024</a:t>
             </a:fld>
             <a:endParaRPr lang="en-US"/>
           </a:p>
@@ -2685,7 +2685,7 @@
           <a:p>
             <a:fld id="{E5CBBA52-592A-4363-B79A-FD068EADC420}" type="datetimeFigureOut">
               <a:rPr lang="en-US" smtClean="0"/>
-              <a:t>6/3/2024</a:t>
+              <a:t>6/4/2024</a:t>
             </a:fld>
             <a:endParaRPr lang="en-US"/>
           </a:p>
@@ -2926,7 +2926,7 @@
           <a:p>
             <a:fld id="{E5CBBA52-592A-4363-B79A-FD068EADC420}" type="datetimeFigureOut">
               <a:rPr lang="en-US" smtClean="0"/>
-              <a:t>6/3/2024</a:t>
+              <a:t>6/4/2024</a:t>
             </a:fld>
             <a:endParaRPr lang="en-US"/>
           </a:p>
@@ -3419,13 +3419,14 @@
               <a:rPr lang="en-US" dirty="0"/>
               <a:t> </a:t>
             </a:r>
+            <a:endParaRPr lang="ar-SA" dirty="0"/>
           </a:p>
           <a:p>
             <a:r>
-              <a:rPr lang="ar-SA" dirty="0"/>
-              <a:t> كي ان ان </a:t>
-            </a:r>
-            <a:endParaRPr lang="en-US" dirty="0"/>
+              <a:rPr lang="en-US" dirty="0" err="1"/>
+              <a:t>knn</a:t>
+            </a:r>
+            <a:endParaRPr lang="ar-SA" dirty="0"/>
           </a:p>
         </p:txBody>
       </p:sp>
@@ -11824,7 +11825,25 @@
             </a:r>
             <a:r>
               <a:rPr lang="ar-SY" dirty="0"/>
-              <a:t>إنشاء نموذج تنبؤ دقيق لسعر العملة التركية مقابل الدولار بناءً على البيانات التاريخية المتاحة. سيكون لدينا اعتمادًا على تحليل الانحدار الخطي وشجرة القرار لتحليل البيانات وتنبؤ الأسعار</a:t>
+              <a:t>إنشاء نموذج تنبؤ دقيق لسعر العملة التركية مقابل الدولار بناءً على البيانات التاريخية المتاحة. </a:t>
+            </a:r>
+            <a:endParaRPr lang="ar-SA" dirty="0"/>
+          </a:p>
+          <a:p>
+            <a:pPr marL="0" indent="0" algn="r" rtl="1">
+              <a:buNone/>
+            </a:pPr>
+            <a:r>
+              <a:rPr lang="ar-SY" dirty="0"/>
+              <a:t>اعتمادًا على تحليل الانحدار الخطي وشجرة القرار</a:t>
+            </a:r>
+            <a:r>
+              <a:rPr lang="ar-SA" dirty="0"/>
+              <a:t> والجار الأقرب</a:t>
+            </a:r>
+            <a:r>
+              <a:rPr lang="ar-SY" dirty="0"/>
+              <a:t> لتحليل البيانات وتنبؤ الأسعار</a:t>
             </a:r>
             <a:endParaRPr lang="ar-SA" dirty="0"/>
           </a:p>
@@ -12017,7 +12036,7 @@
                   </a:schemeClr>
                 </a:solidFill>
               </a:rPr>
-              <a:t>Matplotlib Seaborn:</a:t>
+              <a:t>Matplotlib :</a:t>
             </a:r>
           </a:p>
           <a:p>
@@ -12709,7 +12728,15 @@
             </a:r>
             <a:r>
               <a:rPr lang="ar-SY" dirty="0"/>
-              <a:t>نحدار الخطي هو خوارزمية إحصائية تستخدم لنمذجة العالقة بين متغيرين.</a:t>
+              <a:t>نحدار الخطي هو خوارزمية إحصائية تستخدم لنمذجة العل</a:t>
+            </a:r>
+            <a:r>
+              <a:rPr lang="ar-SA" dirty="0"/>
+              <a:t>ا</a:t>
+            </a:r>
+            <a:r>
+              <a:rPr lang="ar-SY" dirty="0"/>
+              <a:t>قة بين متغيرين.</a:t>
             </a:r>
           </a:p>
           <a:p>
@@ -12718,7 +12745,15 @@
             </a:pPr>
             <a:r>
               <a:rPr lang="ar-SY" dirty="0"/>
-              <a:t>تفترض هذه الخوارزمية أن هناك عالقة خطية بين المتغير التابع </a:t>
+              <a:t>تفترض هذه الخوارزمية أن هناك ع</a:t>
+            </a:r>
+            <a:r>
+              <a:rPr lang="ar-SA" dirty="0"/>
+              <a:t>لا</a:t>
+            </a:r>
+            <a:r>
+              <a:rPr lang="ar-SY" dirty="0"/>
+              <a:t>قة خطية بين المتغير التابع </a:t>
             </a:r>
             <a:r>
               <a:rPr lang="ar-SA" dirty="0"/>
@@ -12751,7 +12786,15 @@
             </a:r>
             <a:r>
               <a:rPr lang="ar-SY" dirty="0"/>
-              <a:t>تلك المستخدمة إلجراء التنبؤ</a:t>
+              <a:t>تلك المستخدمة </a:t>
+            </a:r>
+            <a:r>
+              <a:rPr lang="ar-SA" dirty="0"/>
+              <a:t>لإ</a:t>
+            </a:r>
+            <a:r>
+              <a:rPr lang="ar-SY" dirty="0"/>
+              <a:t>جراء التنبؤ</a:t>
             </a:r>
             <a:r>
               <a:rPr lang="ar-SA" dirty="0"/>
@@ -12784,7 +12827,15 @@
             </a:r>
             <a:r>
               <a:rPr lang="ar-SY" dirty="0"/>
-              <a:t>نسب الذي يصف العالقة بين المتغيرات. حيث يتم تحديد أفضل خط </a:t>
+              <a:t>نسب الذي يصف الع</a:t>
+            </a:r>
+            <a:r>
+              <a:rPr lang="ar-SA" dirty="0"/>
+              <a:t>لا</a:t>
+            </a:r>
+            <a:r>
+              <a:rPr lang="ar-SY" dirty="0"/>
+              <a:t>قة بين المتغيرات. حيث يتم تحديد أفضل خط </a:t>
             </a:r>
           </a:p>
           <a:p>
@@ -31064,8 +31115,8 @@
         </p:nvSpPr>
         <p:spPr>
           <a:xfrm>
-            <a:off x="568518" y="1771001"/>
-            <a:ext cx="5811630" cy="4438412"/>
+            <a:off x="568517" y="1771001"/>
+            <a:ext cx="6810375" cy="4438412"/>
           </a:xfrm>
         </p:spPr>
         <p:txBody>
@@ -31104,7 +31155,15 @@
             </a:pPr>
             <a:r>
               <a:rPr lang="ar-SY" sz="2000" dirty="0"/>
-              <a:t>بعد بناء الشجرة، يتم استخدامها للتوقع على مجموعة جديدة منالبيانات.</a:t>
+              <a:t>بعد بناء الشجرة، يتم استخدامها للتوقع على مجموعة جديدة من</a:t>
+            </a:r>
+            <a:r>
+              <a:rPr lang="ar-SA" sz="2000" dirty="0"/>
+              <a:t> </a:t>
+            </a:r>
+            <a:r>
+              <a:rPr lang="ar-SY" sz="2000" dirty="0"/>
+              <a:t>البيانات.</a:t>
             </a:r>
           </a:p>
           <a:p>
@@ -33480,7 +33539,7 @@
         <p:spPr>
           <a:xfrm>
             <a:off x="7411453" y="2478024"/>
-            <a:ext cx="3872243" cy="3694176"/>
+            <a:ext cx="4311155" cy="3499989"/>
           </a:xfrm>
         </p:spPr>
         <p:txBody>
@@ -33489,24 +33548,28 @@
           </a:bodyPr>
           <a:lstStyle/>
           <a:p>
-            <a:pPr rtl="1"/>
-            <a:r>
-              <a:rPr lang="ar-SY" sz="1800"/>
+            <a:pPr algn="l" rtl="1">
+              <a:lnSpc>
+                <a:spcPct val="150000"/>
+              </a:lnSpc>
+            </a:pPr>
+            <a:r>
+              <a:rPr lang="ar-SY" sz="1800" dirty="0"/>
               <a:t>تعلم الجار الأقرب (</a:t>
             </a:r>
             <a:r>
-              <a:rPr lang="en-US" sz="1800"/>
+              <a:rPr lang="en-US" sz="1800" dirty="0"/>
               <a:t> (K-Nearest Neighbors</a:t>
             </a:r>
             <a:r>
-              <a:rPr lang="ar-SY" sz="1800"/>
+              <a:rPr lang="ar-SY" sz="1800" dirty="0"/>
               <a:t>هو نموذج تعلم آلي يُستخدم للتنبؤ بقيمة جديدة بناءً على قيم مماثلة للبيانات المتاحة. يعتمد هذا النموذج على مفهوم القرب،. عندما يتلقى النموذج نقطة جديدة، يقوم بالبحث عن النقاط الأقرب إليها في مجموعة التدريب ويستخدم قيمها لتقديم التوقع.</a:t>
             </a:r>
-            <a:endParaRPr lang="en-US" sz="1800"/>
+            <a:endParaRPr lang="en-US" sz="1800" dirty="0"/>
           </a:p>
           <a:p>
             <a:pPr rtl="1"/>
-            <a:endParaRPr lang="en-US" sz="1800"/>
+            <a:endParaRPr lang="en-US" sz="1800" dirty="0"/>
           </a:p>
         </p:txBody>
       </p:sp>
